--- a/VPN-Roteamento-NAT.pptx
+++ b/VPN-Roteamento-NAT.pptx
@@ -4305,6 +4305,126 @@
           </a:p>
         </p:txBody>
       </p:sp>
+      <p:pic>
+        <p:nvPicPr>
+          <p:cNvPr id="3" name="Imagem 1">
+            <a:extLst>
+              <a:ext uri="{FF2B5EF4-FFF2-40B4-BE49-F238E27FC236}">
+                <a16:creationId xmlns:a16="http://schemas.microsoft.com/office/drawing/2014/main" id="{DB8364A7-4ABA-4B1F-B170-C0A1A807208F}"/>
+              </a:ext>
+            </a:extLst>
+          </p:cNvPr>
+          <p:cNvPicPr>
+            <a:picLocks noChangeAspect="1" noChangeArrowheads="1"/>
+          </p:cNvPicPr>
+          <p:nvPr/>
+        </p:nvPicPr>
+        <p:blipFill>
+          <a:blip r:embed="rId2">
+            <a:extLst>
+              <a:ext uri="{28A0092B-C50C-407E-A947-70E740481C1C}">
+                <a14:useLocalDpi xmlns:a14="http://schemas.microsoft.com/office/drawing/2010/main" val="0"/>
+              </a:ext>
+            </a:extLst>
+          </a:blip>
+          <a:srcRect/>
+          <a:stretch>
+            <a:fillRect/>
+          </a:stretch>
+        </p:blipFill>
+        <p:spPr bwMode="auto">
+          <a:xfrm>
+            <a:off x="192341" y="5333980"/>
+            <a:ext cx="2824405" cy="1331937"/>
+          </a:xfrm>
+          <a:prstGeom prst="rect">
+            <a:avLst/>
+          </a:prstGeom>
+          <a:noFill/>
+          <a:ln>
+            <a:noFill/>
+          </a:ln>
+          <a:extLst>
+            <a:ext uri="{909E8E84-426E-40DD-AFC4-6F175D3DCCD1}">
+              <a14:hiddenFill xmlns:a14="http://schemas.microsoft.com/office/drawing/2010/main">
+                <a:solidFill>
+                  <a:srgbClr val="FFFFFF"/>
+                </a:solidFill>
+              </a14:hiddenFill>
+            </a:ext>
+            <a:ext uri="{91240B29-F687-4F45-9708-019B960494DF}">
+              <a14:hiddenLine xmlns:a14="http://schemas.microsoft.com/office/drawing/2010/main" w="9525">
+                <a:solidFill>
+                  <a:srgbClr val="000000"/>
+                </a:solidFill>
+                <a:miter lim="800000"/>
+                <a:headEnd/>
+                <a:tailEnd/>
+              </a14:hiddenLine>
+            </a:ext>
+          </a:extLst>
+        </p:spPr>
+      </p:pic>
+      <p:pic>
+        <p:nvPicPr>
+          <p:cNvPr id="4" name="Imagem 6" descr="LOGOMARCA EDUCANDUS.jpg">
+            <a:extLst>
+              <a:ext uri="{FF2B5EF4-FFF2-40B4-BE49-F238E27FC236}">
+                <a16:creationId xmlns:a16="http://schemas.microsoft.com/office/drawing/2014/main" id="{8FCA1F86-A403-4988-8D77-965D02D1BAA2}"/>
+              </a:ext>
+            </a:extLst>
+          </p:cNvPr>
+          <p:cNvPicPr>
+            <a:picLocks noChangeAspect="1" noChangeArrowheads="1"/>
+          </p:cNvPicPr>
+          <p:nvPr/>
+        </p:nvPicPr>
+        <p:blipFill>
+          <a:blip r:embed="rId3" cstate="print">
+            <a:extLst>
+              <a:ext uri="{28A0092B-C50C-407E-A947-70E740481C1C}">
+                <a14:useLocalDpi xmlns:a14="http://schemas.microsoft.com/office/drawing/2010/main" val="0"/>
+              </a:ext>
+            </a:extLst>
+          </a:blip>
+          <a:srcRect/>
+          <a:stretch>
+            <a:fillRect/>
+          </a:stretch>
+        </p:blipFill>
+        <p:spPr bwMode="auto">
+          <a:xfrm>
+            <a:off x="6372200" y="5298608"/>
+            <a:ext cx="2677942" cy="1367309"/>
+          </a:xfrm>
+          <a:prstGeom prst="rect">
+            <a:avLst/>
+          </a:prstGeom>
+          <a:noFill/>
+          <a:ln>
+            <a:noFill/>
+          </a:ln>
+          <a:extLst>
+            <a:ext uri="{909E8E84-426E-40DD-AFC4-6F175D3DCCD1}">
+              <a14:hiddenFill xmlns:a14="http://schemas.microsoft.com/office/drawing/2010/main">
+                <a:solidFill>
+                  <a:srgbClr val="FFFFFF"/>
+                </a:solidFill>
+              </a14:hiddenFill>
+            </a:ext>
+            <a:ext uri="{91240B29-F687-4F45-9708-019B960494DF}">
+              <a14:hiddenLine xmlns:a14="http://schemas.microsoft.com/office/drawing/2010/main" w="9525">
+                <a:solidFill>
+                  <a:srgbClr val="000000"/>
+                </a:solidFill>
+                <a:miter lim="800000"/>
+                <a:headEnd/>
+                <a:tailEnd/>
+              </a14:hiddenLine>
+            </a:ext>
+          </a:extLst>
+        </p:spPr>
+      </p:pic>
     </p:spTree>
     <p:extLst>
       <p:ext uri="{BB962C8B-B14F-4D97-AF65-F5344CB8AC3E}">
@@ -4452,6 +4572,66 @@
           </a:p>
         </p:txBody>
       </p:sp>
+      <p:pic>
+        <p:nvPicPr>
+          <p:cNvPr id="4" name="Imagem 6" descr="LOGOMARCA EDUCANDUS.jpg">
+            <a:extLst>
+              <a:ext uri="{FF2B5EF4-FFF2-40B4-BE49-F238E27FC236}">
+                <a16:creationId xmlns:a16="http://schemas.microsoft.com/office/drawing/2014/main" id="{8D2E3076-41CA-47B0-9ACD-2E6CCCB4F38C}"/>
+              </a:ext>
+            </a:extLst>
+          </p:cNvPr>
+          <p:cNvPicPr>
+            <a:picLocks noChangeAspect="1" noChangeArrowheads="1"/>
+          </p:cNvPicPr>
+          <p:nvPr/>
+        </p:nvPicPr>
+        <p:blipFill>
+          <a:blip r:embed="rId2" cstate="print">
+            <a:extLst>
+              <a:ext uri="{28A0092B-C50C-407E-A947-70E740481C1C}">
+                <a14:useLocalDpi xmlns:a14="http://schemas.microsoft.com/office/drawing/2010/main" val="0"/>
+              </a:ext>
+            </a:extLst>
+          </a:blip>
+          <a:srcRect/>
+          <a:stretch>
+            <a:fillRect/>
+          </a:stretch>
+        </p:blipFill>
+        <p:spPr bwMode="auto">
+          <a:xfrm>
+            <a:off x="7022069" y="5660664"/>
+            <a:ext cx="1957862" cy="999649"/>
+          </a:xfrm>
+          <a:prstGeom prst="rect">
+            <a:avLst/>
+          </a:prstGeom>
+          <a:noFill/>
+          <a:ln>
+            <a:noFill/>
+          </a:ln>
+          <a:extLst>
+            <a:ext uri="{909E8E84-426E-40DD-AFC4-6F175D3DCCD1}">
+              <a14:hiddenFill xmlns:a14="http://schemas.microsoft.com/office/drawing/2010/main">
+                <a:solidFill>
+                  <a:srgbClr val="FFFFFF"/>
+                </a:solidFill>
+              </a14:hiddenFill>
+            </a:ext>
+            <a:ext uri="{91240B29-F687-4F45-9708-019B960494DF}">
+              <a14:hiddenLine xmlns:a14="http://schemas.microsoft.com/office/drawing/2010/main" w="9525">
+                <a:solidFill>
+                  <a:srgbClr val="000000"/>
+                </a:solidFill>
+                <a:miter lim="800000"/>
+                <a:headEnd/>
+                <a:tailEnd/>
+              </a14:hiddenLine>
+            </a:ext>
+          </a:extLst>
+        </p:spPr>
+      </p:pic>
     </p:spTree>
     <p:extLst>
       <p:ext uri="{BB962C8B-B14F-4D97-AF65-F5344CB8AC3E}">
@@ -4638,6 +4818,66 @@
           </a:p>
         </p:txBody>
       </p:sp>
+      <p:pic>
+        <p:nvPicPr>
+          <p:cNvPr id="4" name="Imagem 6" descr="LOGOMARCA EDUCANDUS.jpg">
+            <a:extLst>
+              <a:ext uri="{FF2B5EF4-FFF2-40B4-BE49-F238E27FC236}">
+                <a16:creationId xmlns:a16="http://schemas.microsoft.com/office/drawing/2014/main" id="{705A5CA8-CD57-4FC7-BB27-026E21A86253}"/>
+              </a:ext>
+            </a:extLst>
+          </p:cNvPr>
+          <p:cNvPicPr>
+            <a:picLocks noChangeAspect="1" noChangeArrowheads="1"/>
+          </p:cNvPicPr>
+          <p:nvPr/>
+        </p:nvPicPr>
+        <p:blipFill>
+          <a:blip r:embed="rId3" cstate="print">
+            <a:extLst>
+              <a:ext uri="{28A0092B-C50C-407E-A947-70E740481C1C}">
+                <a14:useLocalDpi xmlns:a14="http://schemas.microsoft.com/office/drawing/2010/main" val="0"/>
+              </a:ext>
+            </a:extLst>
+          </a:blip>
+          <a:srcRect/>
+          <a:stretch>
+            <a:fillRect/>
+          </a:stretch>
+        </p:blipFill>
+        <p:spPr bwMode="auto">
+          <a:xfrm>
+            <a:off x="7022069" y="5660664"/>
+            <a:ext cx="1957862" cy="999649"/>
+          </a:xfrm>
+          <a:prstGeom prst="rect">
+            <a:avLst/>
+          </a:prstGeom>
+          <a:noFill/>
+          <a:ln>
+            <a:noFill/>
+          </a:ln>
+          <a:extLst>
+            <a:ext uri="{909E8E84-426E-40DD-AFC4-6F175D3DCCD1}">
+              <a14:hiddenFill xmlns:a14="http://schemas.microsoft.com/office/drawing/2010/main">
+                <a:solidFill>
+                  <a:srgbClr val="FFFFFF"/>
+                </a:solidFill>
+              </a14:hiddenFill>
+            </a:ext>
+            <a:ext uri="{91240B29-F687-4F45-9708-019B960494DF}">
+              <a14:hiddenLine xmlns:a14="http://schemas.microsoft.com/office/drawing/2010/main" w="9525">
+                <a:solidFill>
+                  <a:srgbClr val="000000"/>
+                </a:solidFill>
+                <a:miter lim="800000"/>
+                <a:headEnd/>
+                <a:tailEnd/>
+              </a14:hiddenLine>
+            </a:ext>
+          </a:extLst>
+        </p:spPr>
+      </p:pic>
     </p:spTree>
     <p:extLst>
       <p:ext uri="{BB962C8B-B14F-4D97-AF65-F5344CB8AC3E}">
@@ -4839,6 +5079,66 @@
           </a:p>
         </p:txBody>
       </p:sp>
+      <p:pic>
+        <p:nvPicPr>
+          <p:cNvPr id="4" name="Imagem 6" descr="LOGOMARCA EDUCANDUS.jpg">
+            <a:extLst>
+              <a:ext uri="{FF2B5EF4-FFF2-40B4-BE49-F238E27FC236}">
+                <a16:creationId xmlns:a16="http://schemas.microsoft.com/office/drawing/2014/main" id="{AC6ED5A5-D9C9-414F-9E9E-6B4CB3D7DDC7}"/>
+              </a:ext>
+            </a:extLst>
+          </p:cNvPr>
+          <p:cNvPicPr>
+            <a:picLocks noChangeAspect="1" noChangeArrowheads="1"/>
+          </p:cNvPicPr>
+          <p:nvPr/>
+        </p:nvPicPr>
+        <p:blipFill>
+          <a:blip r:embed="rId3" cstate="print">
+            <a:extLst>
+              <a:ext uri="{28A0092B-C50C-407E-A947-70E740481C1C}">
+                <a14:useLocalDpi xmlns:a14="http://schemas.microsoft.com/office/drawing/2010/main" val="0"/>
+              </a:ext>
+            </a:extLst>
+          </a:blip>
+          <a:srcRect/>
+          <a:stretch>
+            <a:fillRect/>
+          </a:stretch>
+        </p:blipFill>
+        <p:spPr bwMode="auto">
+          <a:xfrm>
+            <a:off x="7022069" y="5660664"/>
+            <a:ext cx="1957862" cy="999649"/>
+          </a:xfrm>
+          <a:prstGeom prst="rect">
+            <a:avLst/>
+          </a:prstGeom>
+          <a:noFill/>
+          <a:ln>
+            <a:noFill/>
+          </a:ln>
+          <a:extLst>
+            <a:ext uri="{909E8E84-426E-40DD-AFC4-6F175D3DCCD1}">
+              <a14:hiddenFill xmlns:a14="http://schemas.microsoft.com/office/drawing/2010/main">
+                <a:solidFill>
+                  <a:srgbClr val="FFFFFF"/>
+                </a:solidFill>
+              </a14:hiddenFill>
+            </a:ext>
+            <a:ext uri="{91240B29-F687-4F45-9708-019B960494DF}">
+              <a14:hiddenLine xmlns:a14="http://schemas.microsoft.com/office/drawing/2010/main" w="9525">
+                <a:solidFill>
+                  <a:srgbClr val="000000"/>
+                </a:solidFill>
+                <a:miter lim="800000"/>
+                <a:headEnd/>
+                <a:tailEnd/>
+              </a14:hiddenLine>
+            </a:ext>
+          </a:extLst>
+        </p:spPr>
+      </p:pic>
     </p:spTree>
     <p:extLst>
       <p:ext uri="{BB962C8B-B14F-4D97-AF65-F5344CB8AC3E}">
@@ -5093,6 +5393,66 @@
           </a:p>
         </p:txBody>
       </p:sp>
+      <p:pic>
+        <p:nvPicPr>
+          <p:cNvPr id="4" name="Imagem 6" descr="LOGOMARCA EDUCANDUS.jpg">
+            <a:extLst>
+              <a:ext uri="{FF2B5EF4-FFF2-40B4-BE49-F238E27FC236}">
+                <a16:creationId xmlns:a16="http://schemas.microsoft.com/office/drawing/2014/main" id="{BBDA67B9-6660-43D9-8D5E-DCE06C37924D}"/>
+              </a:ext>
+            </a:extLst>
+          </p:cNvPr>
+          <p:cNvPicPr>
+            <a:picLocks noChangeAspect="1" noChangeArrowheads="1"/>
+          </p:cNvPicPr>
+          <p:nvPr/>
+        </p:nvPicPr>
+        <p:blipFill>
+          <a:blip r:embed="rId3" cstate="print">
+            <a:extLst>
+              <a:ext uri="{28A0092B-C50C-407E-A947-70E740481C1C}">
+                <a14:useLocalDpi xmlns:a14="http://schemas.microsoft.com/office/drawing/2010/main" val="0"/>
+              </a:ext>
+            </a:extLst>
+          </a:blip>
+          <a:srcRect/>
+          <a:stretch>
+            <a:fillRect/>
+          </a:stretch>
+        </p:blipFill>
+        <p:spPr bwMode="auto">
+          <a:xfrm>
+            <a:off x="7065210" y="5805264"/>
+            <a:ext cx="1957862" cy="999649"/>
+          </a:xfrm>
+          <a:prstGeom prst="rect">
+            <a:avLst/>
+          </a:prstGeom>
+          <a:noFill/>
+          <a:ln>
+            <a:noFill/>
+          </a:ln>
+          <a:extLst>
+            <a:ext uri="{909E8E84-426E-40DD-AFC4-6F175D3DCCD1}">
+              <a14:hiddenFill xmlns:a14="http://schemas.microsoft.com/office/drawing/2010/main">
+                <a:solidFill>
+                  <a:srgbClr val="FFFFFF"/>
+                </a:solidFill>
+              </a14:hiddenFill>
+            </a:ext>
+            <a:ext uri="{91240B29-F687-4F45-9708-019B960494DF}">
+              <a14:hiddenLine xmlns:a14="http://schemas.microsoft.com/office/drawing/2010/main" w="9525">
+                <a:solidFill>
+                  <a:srgbClr val="000000"/>
+                </a:solidFill>
+                <a:miter lim="800000"/>
+                <a:headEnd/>
+                <a:tailEnd/>
+              </a14:hiddenLine>
+            </a:ext>
+          </a:extLst>
+        </p:spPr>
+      </p:pic>
     </p:spTree>
     <p:extLst>
       <p:ext uri="{BB962C8B-B14F-4D97-AF65-F5344CB8AC3E}">
@@ -5188,6 +5548,66 @@
           </a:p>
         </p:txBody>
       </p:sp>
+      <p:pic>
+        <p:nvPicPr>
+          <p:cNvPr id="3" name="Imagem 6" descr="LOGOMARCA EDUCANDUS.jpg">
+            <a:extLst>
+              <a:ext uri="{FF2B5EF4-FFF2-40B4-BE49-F238E27FC236}">
+                <a16:creationId xmlns:a16="http://schemas.microsoft.com/office/drawing/2014/main" id="{B3F494E5-81D4-4334-8233-5EF723FAFE8F}"/>
+              </a:ext>
+            </a:extLst>
+          </p:cNvPr>
+          <p:cNvPicPr>
+            <a:picLocks noChangeAspect="1" noChangeArrowheads="1"/>
+          </p:cNvPicPr>
+          <p:nvPr/>
+        </p:nvPicPr>
+        <p:blipFill>
+          <a:blip r:embed="rId2" cstate="print">
+            <a:extLst>
+              <a:ext uri="{28A0092B-C50C-407E-A947-70E740481C1C}">
+                <a14:useLocalDpi xmlns:a14="http://schemas.microsoft.com/office/drawing/2010/main" val="0"/>
+              </a:ext>
+            </a:extLst>
+          </a:blip>
+          <a:srcRect/>
+          <a:stretch>
+            <a:fillRect/>
+          </a:stretch>
+        </p:blipFill>
+        <p:spPr bwMode="auto">
+          <a:xfrm>
+            <a:off x="7022069" y="5660664"/>
+            <a:ext cx="1957862" cy="999649"/>
+          </a:xfrm>
+          <a:prstGeom prst="rect">
+            <a:avLst/>
+          </a:prstGeom>
+          <a:noFill/>
+          <a:ln>
+            <a:noFill/>
+          </a:ln>
+          <a:extLst>
+            <a:ext uri="{909E8E84-426E-40DD-AFC4-6F175D3DCCD1}">
+              <a14:hiddenFill xmlns:a14="http://schemas.microsoft.com/office/drawing/2010/main">
+                <a:solidFill>
+                  <a:srgbClr val="FFFFFF"/>
+                </a:solidFill>
+              </a14:hiddenFill>
+            </a:ext>
+            <a:ext uri="{91240B29-F687-4F45-9708-019B960494DF}">
+              <a14:hiddenLine xmlns:a14="http://schemas.microsoft.com/office/drawing/2010/main" w="9525">
+                <a:solidFill>
+                  <a:srgbClr val="000000"/>
+                </a:solidFill>
+                <a:miter lim="800000"/>
+                <a:headEnd/>
+                <a:tailEnd/>
+              </a14:hiddenLine>
+            </a:ext>
+          </a:extLst>
+        </p:spPr>
+      </p:pic>
     </p:spTree>
     <p:extLst>
       <p:ext uri="{BB962C8B-B14F-4D97-AF65-F5344CB8AC3E}">
@@ -5382,6 +5802,66 @@
           </a:p>
         </p:txBody>
       </p:sp>
+      <p:pic>
+        <p:nvPicPr>
+          <p:cNvPr id="4" name="Imagem 6" descr="LOGOMARCA EDUCANDUS.jpg">
+            <a:extLst>
+              <a:ext uri="{FF2B5EF4-FFF2-40B4-BE49-F238E27FC236}">
+                <a16:creationId xmlns:a16="http://schemas.microsoft.com/office/drawing/2014/main" id="{C1DB40AB-D2EE-4447-A746-AA6CADF12779}"/>
+              </a:ext>
+            </a:extLst>
+          </p:cNvPr>
+          <p:cNvPicPr>
+            <a:picLocks noChangeAspect="1" noChangeArrowheads="1"/>
+          </p:cNvPicPr>
+          <p:nvPr/>
+        </p:nvPicPr>
+        <p:blipFill>
+          <a:blip r:embed="rId3" cstate="print">
+            <a:extLst>
+              <a:ext uri="{28A0092B-C50C-407E-A947-70E740481C1C}">
+                <a14:useLocalDpi xmlns:a14="http://schemas.microsoft.com/office/drawing/2010/main" val="0"/>
+              </a:ext>
+            </a:extLst>
+          </a:blip>
+          <a:srcRect/>
+          <a:stretch>
+            <a:fillRect/>
+          </a:stretch>
+        </p:blipFill>
+        <p:spPr bwMode="auto">
+          <a:xfrm>
+            <a:off x="7164288" y="5877272"/>
+            <a:ext cx="1813846" cy="926117"/>
+          </a:xfrm>
+          <a:prstGeom prst="rect">
+            <a:avLst/>
+          </a:prstGeom>
+          <a:noFill/>
+          <a:ln>
+            <a:noFill/>
+          </a:ln>
+          <a:extLst>
+            <a:ext uri="{909E8E84-426E-40DD-AFC4-6F175D3DCCD1}">
+              <a14:hiddenFill xmlns:a14="http://schemas.microsoft.com/office/drawing/2010/main">
+                <a:solidFill>
+                  <a:srgbClr val="FFFFFF"/>
+                </a:solidFill>
+              </a14:hiddenFill>
+            </a:ext>
+            <a:ext uri="{91240B29-F687-4F45-9708-019B960494DF}">
+              <a14:hiddenLine xmlns:a14="http://schemas.microsoft.com/office/drawing/2010/main" w="9525">
+                <a:solidFill>
+                  <a:srgbClr val="000000"/>
+                </a:solidFill>
+                <a:miter lim="800000"/>
+                <a:headEnd/>
+                <a:tailEnd/>
+              </a14:hiddenLine>
+            </a:ext>
+          </a:extLst>
+        </p:spPr>
+      </p:pic>
     </p:spTree>
     <p:extLst>
       <p:ext uri="{BB962C8B-B14F-4D97-AF65-F5344CB8AC3E}">
@@ -5729,7 +6209,7 @@
           <a:graphicData uri="http://schemas.openxmlformats.org/presentationml/2006/ole">
             <mc:AlternateContent xmlns:mc="http://schemas.openxmlformats.org/markup-compatibility/2006">
               <mc:Choice xmlns:v="urn:schemas-microsoft-com:vml" Requires="v">
-                <p:oleObj spid="_x0000_s15407" name="Clip" r:id="rId4" imgW="1305000" imgH="1085760" progId="MS_ClipArt_Gallery.2">
+                <p:oleObj spid="_x0000_s15416" name="Clip" r:id="rId4" imgW="1305000" imgH="1085760" progId="MS_ClipArt_Gallery.2">
                   <p:embed/>
                 </p:oleObj>
               </mc:Choice>
@@ -5828,7 +6308,7 @@
           <a:graphicData uri="http://schemas.openxmlformats.org/presentationml/2006/ole">
             <mc:AlternateContent xmlns:mc="http://schemas.openxmlformats.org/markup-compatibility/2006">
               <mc:Choice xmlns:v="urn:schemas-microsoft-com:vml" Requires="v">
-                <p:oleObj spid="_x0000_s15408" name="Clip" r:id="rId6" imgW="1305000" imgH="1085760" progId="MS_ClipArt_Gallery.2">
+                <p:oleObj spid="_x0000_s15417" name="Clip" r:id="rId6" imgW="1305000" imgH="1085760" progId="MS_ClipArt_Gallery.2">
                   <p:embed/>
                 </p:oleObj>
               </mc:Choice>
@@ -5927,7 +6407,7 @@
           <a:graphicData uri="http://schemas.openxmlformats.org/presentationml/2006/ole">
             <mc:AlternateContent xmlns:mc="http://schemas.openxmlformats.org/markup-compatibility/2006">
               <mc:Choice xmlns:v="urn:schemas-microsoft-com:vml" Requires="v">
-                <p:oleObj spid="_x0000_s15409" name="Clip" r:id="rId7" imgW="1305000" imgH="1085760" progId="MS_ClipArt_Gallery.2">
+                <p:oleObj spid="_x0000_s15418" name="Clip" r:id="rId7" imgW="1305000" imgH="1085760" progId="MS_ClipArt_Gallery.2">
                   <p:embed/>
                 </p:oleObj>
               </mc:Choice>
@@ -9072,6 +9552,66 @@
           </a:p>
         </p:txBody>
       </p:sp>
+      <p:pic>
+        <p:nvPicPr>
+          <p:cNvPr id="3" name="Imagem 6" descr="LOGOMARCA EDUCANDUS.jpg">
+            <a:extLst>
+              <a:ext uri="{FF2B5EF4-FFF2-40B4-BE49-F238E27FC236}">
+                <a16:creationId xmlns:a16="http://schemas.microsoft.com/office/drawing/2014/main" id="{8BD4F44A-9A4B-45DB-89F9-288E39649E80}"/>
+              </a:ext>
+            </a:extLst>
+          </p:cNvPr>
+          <p:cNvPicPr>
+            <a:picLocks noChangeAspect="1" noChangeArrowheads="1"/>
+          </p:cNvPicPr>
+          <p:nvPr/>
+        </p:nvPicPr>
+        <p:blipFill>
+          <a:blip r:embed="rId2" cstate="print">
+            <a:extLst>
+              <a:ext uri="{28A0092B-C50C-407E-A947-70E740481C1C}">
+                <a14:useLocalDpi xmlns:a14="http://schemas.microsoft.com/office/drawing/2010/main" val="0"/>
+              </a:ext>
+            </a:extLst>
+          </a:blip>
+          <a:srcRect/>
+          <a:stretch>
+            <a:fillRect/>
+          </a:stretch>
+        </p:blipFill>
+        <p:spPr bwMode="auto">
+          <a:xfrm>
+            <a:off x="7022069" y="5660664"/>
+            <a:ext cx="1957862" cy="999649"/>
+          </a:xfrm>
+          <a:prstGeom prst="rect">
+            <a:avLst/>
+          </a:prstGeom>
+          <a:noFill/>
+          <a:ln>
+            <a:noFill/>
+          </a:ln>
+          <a:extLst>
+            <a:ext uri="{909E8E84-426E-40DD-AFC4-6F175D3DCCD1}">
+              <a14:hiddenFill xmlns:a14="http://schemas.microsoft.com/office/drawing/2010/main">
+                <a:solidFill>
+                  <a:srgbClr val="FFFFFF"/>
+                </a:solidFill>
+              </a14:hiddenFill>
+            </a:ext>
+            <a:ext uri="{91240B29-F687-4F45-9708-019B960494DF}">
+              <a14:hiddenLine xmlns:a14="http://schemas.microsoft.com/office/drawing/2010/main" w="9525">
+                <a:solidFill>
+                  <a:srgbClr val="000000"/>
+                </a:solidFill>
+                <a:miter lim="800000"/>
+                <a:headEnd/>
+                <a:tailEnd/>
+              </a14:hiddenLine>
+            </a:ext>
+          </a:extLst>
+        </p:spPr>
+      </p:pic>
     </p:spTree>
     <p:extLst>
       <p:ext uri="{BB962C8B-B14F-4D97-AF65-F5344CB8AC3E}">
@@ -9423,7 +9963,7 @@
           <a:graphicData uri="http://schemas.openxmlformats.org/presentationml/2006/ole">
             <mc:AlternateContent xmlns:mc="http://schemas.openxmlformats.org/markup-compatibility/2006">
               <mc:Choice xmlns:v="urn:schemas-microsoft-com:vml" Requires="v">
-                <p:oleObj spid="_x0000_s13426" name="Imagem de Bitmap" r:id="rId4" imgW="552679" imgH="800231" progId="Paint.Picture">
+                <p:oleObj spid="_x0000_s13438" name="Imagem de Bitmap" r:id="rId4" imgW="552679" imgH="800231" progId="Paint.Picture">
                   <p:embed/>
                 </p:oleObj>
               </mc:Choice>
@@ -9681,7 +10221,7 @@
           <a:graphicData uri="http://schemas.openxmlformats.org/presentationml/2006/ole">
             <mc:AlternateContent xmlns:mc="http://schemas.openxmlformats.org/markup-compatibility/2006">
               <mc:Choice xmlns:v="urn:schemas-microsoft-com:vml" Requires="v">
-                <p:oleObj spid="_x0000_s13427" name="Imagem de Bitmap" r:id="rId6" imgW="552679" imgH="800231" progId="Paint.Picture">
+                <p:oleObj spid="_x0000_s13439" name="Imagem de Bitmap" r:id="rId6" imgW="552679" imgH="800231" progId="Paint.Picture">
                   <p:embed/>
                 </p:oleObj>
               </mc:Choice>
@@ -10358,7 +10898,7 @@
             <a:graphicData uri="http://schemas.openxmlformats.org/presentationml/2006/ole">
               <mc:AlternateContent xmlns:mc="http://schemas.openxmlformats.org/markup-compatibility/2006">
                 <mc:Choice xmlns:v="urn:schemas-microsoft-com:vml" Requires="v">
-                  <p:oleObj spid="_x0000_s13428" name="Imagem de Bitmap" r:id="rId7" imgW="552679" imgH="800231" progId="Paint.Picture">
+                  <p:oleObj spid="_x0000_s13440" name="Imagem de Bitmap" r:id="rId7" imgW="552679" imgH="800231" progId="Paint.Picture">
                     <p:embed/>
                   </p:oleObj>
                 </mc:Choice>
@@ -10451,7 +10991,7 @@
             <a:graphicData uri="http://schemas.openxmlformats.org/presentationml/2006/ole">
               <mc:AlternateContent xmlns:mc="http://schemas.openxmlformats.org/markup-compatibility/2006">
                 <mc:Choice xmlns:v="urn:schemas-microsoft-com:vml" Requires="v">
-                  <p:oleObj spid="_x0000_s13429" name="Imagem de Bitmap" r:id="rId8" imgW="552679" imgH="800231" progId="Paint.Picture">
+                  <p:oleObj spid="_x0000_s13441" name="Imagem de Bitmap" r:id="rId8" imgW="552679" imgH="800231" progId="Paint.Picture">
                     <p:embed/>
                   </p:oleObj>
                 </mc:Choice>
@@ -10692,6 +11232,66 @@
           </p:txBody>
         </p:sp>
       </p:grpSp>
+      <p:pic>
+        <p:nvPicPr>
+          <p:cNvPr id="24" name="Imagem 6" descr="LOGOMARCA EDUCANDUS.jpg">
+            <a:extLst>
+              <a:ext uri="{FF2B5EF4-FFF2-40B4-BE49-F238E27FC236}">
+                <a16:creationId xmlns:a16="http://schemas.microsoft.com/office/drawing/2014/main" id="{31781C10-D6E8-4AF0-85BB-884302A395C9}"/>
+              </a:ext>
+            </a:extLst>
+          </p:cNvPr>
+          <p:cNvPicPr>
+            <a:picLocks noChangeAspect="1" noChangeArrowheads="1"/>
+          </p:cNvPicPr>
+          <p:nvPr/>
+        </p:nvPicPr>
+        <p:blipFill>
+          <a:blip r:embed="rId9" cstate="print">
+            <a:extLst>
+              <a:ext uri="{28A0092B-C50C-407E-A947-70E740481C1C}">
+                <a14:useLocalDpi xmlns:a14="http://schemas.microsoft.com/office/drawing/2010/main" val="0"/>
+              </a:ext>
+            </a:extLst>
+          </a:blip>
+          <a:srcRect/>
+          <a:stretch>
+            <a:fillRect/>
+          </a:stretch>
+        </p:blipFill>
+        <p:spPr bwMode="auto">
+          <a:xfrm>
+            <a:off x="7022069" y="5660664"/>
+            <a:ext cx="1957862" cy="999649"/>
+          </a:xfrm>
+          <a:prstGeom prst="rect">
+            <a:avLst/>
+          </a:prstGeom>
+          <a:noFill/>
+          <a:ln>
+            <a:noFill/>
+          </a:ln>
+          <a:extLst>
+            <a:ext uri="{909E8E84-426E-40DD-AFC4-6F175D3DCCD1}">
+              <a14:hiddenFill xmlns:a14="http://schemas.microsoft.com/office/drawing/2010/main">
+                <a:solidFill>
+                  <a:srgbClr val="FFFFFF"/>
+                </a:solidFill>
+              </a14:hiddenFill>
+            </a:ext>
+            <a:ext uri="{91240B29-F687-4F45-9708-019B960494DF}">
+              <a14:hiddenLine xmlns:a14="http://schemas.microsoft.com/office/drawing/2010/main" w="9525">
+                <a:solidFill>
+                  <a:srgbClr val="000000"/>
+                </a:solidFill>
+                <a:miter lim="800000"/>
+                <a:headEnd/>
+                <a:tailEnd/>
+              </a14:hiddenLine>
+            </a:ext>
+          </a:extLst>
+        </p:spPr>
+      </p:pic>
     </p:spTree>
     <p:extLst>
       <p:ext uri="{BB962C8B-B14F-4D97-AF65-F5344CB8AC3E}">
@@ -10879,6 +11479,66 @@
           </a:p>
         </p:txBody>
       </p:sp>
+      <p:pic>
+        <p:nvPicPr>
+          <p:cNvPr id="4" name="Imagem 6" descr="LOGOMARCA EDUCANDUS.jpg">
+            <a:extLst>
+              <a:ext uri="{FF2B5EF4-FFF2-40B4-BE49-F238E27FC236}">
+                <a16:creationId xmlns:a16="http://schemas.microsoft.com/office/drawing/2014/main" id="{878C817B-3F80-46CE-AA59-06F478AAD403}"/>
+              </a:ext>
+            </a:extLst>
+          </p:cNvPr>
+          <p:cNvPicPr>
+            <a:picLocks noChangeAspect="1" noChangeArrowheads="1"/>
+          </p:cNvPicPr>
+          <p:nvPr/>
+        </p:nvPicPr>
+        <p:blipFill>
+          <a:blip r:embed="rId2" cstate="print">
+            <a:extLst>
+              <a:ext uri="{28A0092B-C50C-407E-A947-70E740481C1C}">
+                <a14:useLocalDpi xmlns:a14="http://schemas.microsoft.com/office/drawing/2010/main" val="0"/>
+              </a:ext>
+            </a:extLst>
+          </a:blip>
+          <a:srcRect/>
+          <a:stretch>
+            <a:fillRect/>
+          </a:stretch>
+        </p:blipFill>
+        <p:spPr bwMode="auto">
+          <a:xfrm>
+            <a:off x="7022069" y="5660664"/>
+            <a:ext cx="1957862" cy="999649"/>
+          </a:xfrm>
+          <a:prstGeom prst="rect">
+            <a:avLst/>
+          </a:prstGeom>
+          <a:noFill/>
+          <a:ln>
+            <a:noFill/>
+          </a:ln>
+          <a:extLst>
+            <a:ext uri="{909E8E84-426E-40DD-AFC4-6F175D3DCCD1}">
+              <a14:hiddenFill xmlns:a14="http://schemas.microsoft.com/office/drawing/2010/main">
+                <a:solidFill>
+                  <a:srgbClr val="FFFFFF"/>
+                </a:solidFill>
+              </a14:hiddenFill>
+            </a:ext>
+            <a:ext uri="{91240B29-F687-4F45-9708-019B960494DF}">
+              <a14:hiddenLine xmlns:a14="http://schemas.microsoft.com/office/drawing/2010/main" w="9525">
+                <a:solidFill>
+                  <a:srgbClr val="000000"/>
+                </a:solidFill>
+                <a:miter lim="800000"/>
+                <a:headEnd/>
+                <a:tailEnd/>
+              </a14:hiddenLine>
+            </a:ext>
+          </a:extLst>
+        </p:spPr>
+      </p:pic>
     </p:spTree>
     <p:extLst>
       <p:ext uri="{BB962C8B-B14F-4D97-AF65-F5344CB8AC3E}">
@@ -11227,6 +11887,66 @@
           </a:sp3d>
         </p:spPr>
       </p:pic>
+      <p:pic>
+        <p:nvPicPr>
+          <p:cNvPr id="4" name="Imagem 6" descr="LOGOMARCA EDUCANDUS.jpg">
+            <a:extLst>
+              <a:ext uri="{FF2B5EF4-FFF2-40B4-BE49-F238E27FC236}">
+                <a16:creationId xmlns:a16="http://schemas.microsoft.com/office/drawing/2014/main" id="{456C9F89-1088-446C-99ED-15F266096951}"/>
+              </a:ext>
+            </a:extLst>
+          </p:cNvPr>
+          <p:cNvPicPr>
+            <a:picLocks noChangeAspect="1" noChangeArrowheads="1"/>
+          </p:cNvPicPr>
+          <p:nvPr/>
+        </p:nvPicPr>
+        <p:blipFill>
+          <a:blip r:embed="rId4" cstate="print">
+            <a:extLst>
+              <a:ext uri="{28A0092B-C50C-407E-A947-70E740481C1C}">
+                <a14:useLocalDpi xmlns:a14="http://schemas.microsoft.com/office/drawing/2010/main" val="0"/>
+              </a:ext>
+            </a:extLst>
+          </a:blip>
+          <a:srcRect/>
+          <a:stretch>
+            <a:fillRect/>
+          </a:stretch>
+        </p:blipFill>
+        <p:spPr bwMode="auto">
+          <a:xfrm>
+            <a:off x="6829550" y="5653510"/>
+            <a:ext cx="1957862" cy="999649"/>
+          </a:xfrm>
+          <a:prstGeom prst="rect">
+            <a:avLst/>
+          </a:prstGeom>
+          <a:noFill/>
+          <a:ln>
+            <a:noFill/>
+          </a:ln>
+          <a:extLst>
+            <a:ext uri="{909E8E84-426E-40DD-AFC4-6F175D3DCCD1}">
+              <a14:hiddenFill xmlns:a14="http://schemas.microsoft.com/office/drawing/2010/main">
+                <a:solidFill>
+                  <a:srgbClr val="FFFFFF"/>
+                </a:solidFill>
+              </a14:hiddenFill>
+            </a:ext>
+            <a:ext uri="{91240B29-F687-4F45-9708-019B960494DF}">
+              <a14:hiddenLine xmlns:a14="http://schemas.microsoft.com/office/drawing/2010/main" w="9525">
+                <a:solidFill>
+                  <a:srgbClr val="000000"/>
+                </a:solidFill>
+                <a:miter lim="800000"/>
+                <a:headEnd/>
+                <a:tailEnd/>
+              </a14:hiddenLine>
+            </a:ext>
+          </a:extLst>
+        </p:spPr>
+      </p:pic>
     </p:spTree>
     <p:extLst>
       <p:ext uri="{BB962C8B-B14F-4D97-AF65-F5344CB8AC3E}">
@@ -11361,6 +12081,66 @@
           </a:p>
         </p:txBody>
       </p:sp>
+      <p:pic>
+        <p:nvPicPr>
+          <p:cNvPr id="4" name="Imagem 6" descr="LOGOMARCA EDUCANDUS.jpg">
+            <a:extLst>
+              <a:ext uri="{FF2B5EF4-FFF2-40B4-BE49-F238E27FC236}">
+                <a16:creationId xmlns:a16="http://schemas.microsoft.com/office/drawing/2014/main" id="{CA4C841B-5573-41D7-872A-B1C9A8DC41A4}"/>
+              </a:ext>
+            </a:extLst>
+          </p:cNvPr>
+          <p:cNvPicPr>
+            <a:picLocks noChangeAspect="1" noChangeArrowheads="1"/>
+          </p:cNvPicPr>
+          <p:nvPr/>
+        </p:nvPicPr>
+        <p:blipFill>
+          <a:blip r:embed="rId2" cstate="print">
+            <a:extLst>
+              <a:ext uri="{28A0092B-C50C-407E-A947-70E740481C1C}">
+                <a14:useLocalDpi xmlns:a14="http://schemas.microsoft.com/office/drawing/2010/main" val="0"/>
+              </a:ext>
+            </a:extLst>
+          </a:blip>
+          <a:srcRect/>
+          <a:stretch>
+            <a:fillRect/>
+          </a:stretch>
+        </p:blipFill>
+        <p:spPr bwMode="auto">
+          <a:xfrm>
+            <a:off x="7022069" y="5660664"/>
+            <a:ext cx="1957862" cy="999649"/>
+          </a:xfrm>
+          <a:prstGeom prst="rect">
+            <a:avLst/>
+          </a:prstGeom>
+          <a:noFill/>
+          <a:ln>
+            <a:noFill/>
+          </a:ln>
+          <a:extLst>
+            <a:ext uri="{909E8E84-426E-40DD-AFC4-6F175D3DCCD1}">
+              <a14:hiddenFill xmlns:a14="http://schemas.microsoft.com/office/drawing/2010/main">
+                <a:solidFill>
+                  <a:srgbClr val="FFFFFF"/>
+                </a:solidFill>
+              </a14:hiddenFill>
+            </a:ext>
+            <a:ext uri="{91240B29-F687-4F45-9708-019B960494DF}">
+              <a14:hiddenLine xmlns:a14="http://schemas.microsoft.com/office/drawing/2010/main" w="9525">
+                <a:solidFill>
+                  <a:srgbClr val="000000"/>
+                </a:solidFill>
+                <a:miter lim="800000"/>
+                <a:headEnd/>
+                <a:tailEnd/>
+              </a14:hiddenLine>
+            </a:ext>
+          </a:extLst>
+        </p:spPr>
+      </p:pic>
     </p:spTree>
     <p:extLst>
       <p:ext uri="{BB962C8B-B14F-4D97-AF65-F5344CB8AC3E}">
@@ -11459,7 +12239,7 @@
           <a:graphicData uri="http://schemas.openxmlformats.org/presentationml/2006/ole">
             <mc:AlternateContent xmlns:mc="http://schemas.openxmlformats.org/markup-compatibility/2006">
               <mc:Choice xmlns:v="urn:schemas-microsoft-com:vml" Requires="v">
-                <p:oleObj spid="_x0000_s14394" name="Imagem de Bitmap" r:id="rId3" imgW="552679" imgH="800231" progId="Paint.Picture">
+                <p:oleObj spid="_x0000_s14400" name="Imagem de Bitmap" r:id="rId3" imgW="552679" imgH="800231" progId="Paint.Picture">
                   <p:embed/>
                 </p:oleObj>
               </mc:Choice>
@@ -11717,7 +12497,7 @@
           <a:graphicData uri="http://schemas.openxmlformats.org/presentationml/2006/ole">
             <mc:AlternateContent xmlns:mc="http://schemas.openxmlformats.org/markup-compatibility/2006">
               <mc:Choice xmlns:v="urn:schemas-microsoft-com:vml" Requires="v">
-                <p:oleObj spid="_x0000_s14395" name="Imagem de Bitmap" r:id="rId5" imgW="552679" imgH="800231" progId="Paint.Picture">
+                <p:oleObj spid="_x0000_s14401" name="Imagem de Bitmap" r:id="rId5" imgW="552679" imgH="800231" progId="Paint.Picture">
                   <p:embed/>
                 </p:oleObj>
               </mc:Choice>
@@ -13332,6 +14112,66 @@
           </a:p>
         </p:txBody>
       </p:sp>
+      <p:pic>
+        <p:nvPicPr>
+          <p:cNvPr id="32" name="Imagem 6" descr="LOGOMARCA EDUCANDUS.jpg">
+            <a:extLst>
+              <a:ext uri="{FF2B5EF4-FFF2-40B4-BE49-F238E27FC236}">
+                <a16:creationId xmlns:a16="http://schemas.microsoft.com/office/drawing/2014/main" id="{25380A2B-A38F-45E8-8406-20EB0498E68F}"/>
+              </a:ext>
+            </a:extLst>
+          </p:cNvPr>
+          <p:cNvPicPr>
+            <a:picLocks noChangeAspect="1" noChangeArrowheads="1"/>
+          </p:cNvPicPr>
+          <p:nvPr/>
+        </p:nvPicPr>
+        <p:blipFill>
+          <a:blip r:embed="rId6" cstate="print">
+            <a:extLst>
+              <a:ext uri="{28A0092B-C50C-407E-A947-70E740481C1C}">
+                <a14:useLocalDpi xmlns:a14="http://schemas.microsoft.com/office/drawing/2010/main" val="0"/>
+              </a:ext>
+            </a:extLst>
+          </a:blip>
+          <a:srcRect/>
+          <a:stretch>
+            <a:fillRect/>
+          </a:stretch>
+        </p:blipFill>
+        <p:spPr bwMode="auto">
+          <a:xfrm>
+            <a:off x="185463" y="5599589"/>
+            <a:ext cx="1957862" cy="999649"/>
+          </a:xfrm>
+          <a:prstGeom prst="rect">
+            <a:avLst/>
+          </a:prstGeom>
+          <a:noFill/>
+          <a:ln>
+            <a:noFill/>
+          </a:ln>
+          <a:extLst>
+            <a:ext uri="{909E8E84-426E-40DD-AFC4-6F175D3DCCD1}">
+              <a14:hiddenFill xmlns:a14="http://schemas.microsoft.com/office/drawing/2010/main">
+                <a:solidFill>
+                  <a:srgbClr val="FFFFFF"/>
+                </a:solidFill>
+              </a14:hiddenFill>
+            </a:ext>
+            <a:ext uri="{91240B29-F687-4F45-9708-019B960494DF}">
+              <a14:hiddenLine xmlns:a14="http://schemas.microsoft.com/office/drawing/2010/main" w="9525">
+                <a:solidFill>
+                  <a:srgbClr val="000000"/>
+                </a:solidFill>
+                <a:miter lim="800000"/>
+                <a:headEnd/>
+                <a:tailEnd/>
+              </a14:hiddenLine>
+            </a:ext>
+          </a:extLst>
+        </p:spPr>
+      </p:pic>
     </p:spTree>
     <p:extLst>
       <p:ext uri="{BB962C8B-B14F-4D97-AF65-F5344CB8AC3E}">
@@ -13460,6 +14300,66 @@
           </a:p>
         </p:txBody>
       </p:sp>
+      <p:pic>
+        <p:nvPicPr>
+          <p:cNvPr id="4" name="Imagem 6" descr="LOGOMARCA EDUCANDUS.jpg">
+            <a:extLst>
+              <a:ext uri="{FF2B5EF4-FFF2-40B4-BE49-F238E27FC236}">
+                <a16:creationId xmlns:a16="http://schemas.microsoft.com/office/drawing/2014/main" id="{17A7A763-A005-4014-925E-0A985177A2A9}"/>
+              </a:ext>
+            </a:extLst>
+          </p:cNvPr>
+          <p:cNvPicPr>
+            <a:picLocks noChangeAspect="1" noChangeArrowheads="1"/>
+          </p:cNvPicPr>
+          <p:nvPr/>
+        </p:nvPicPr>
+        <p:blipFill>
+          <a:blip r:embed="rId2" cstate="print">
+            <a:extLst>
+              <a:ext uri="{28A0092B-C50C-407E-A947-70E740481C1C}">
+                <a14:useLocalDpi xmlns:a14="http://schemas.microsoft.com/office/drawing/2010/main" val="0"/>
+              </a:ext>
+            </a:extLst>
+          </a:blip>
+          <a:srcRect/>
+          <a:stretch>
+            <a:fillRect/>
+          </a:stretch>
+        </p:blipFill>
+        <p:spPr bwMode="auto">
+          <a:xfrm>
+            <a:off x="7022069" y="5660664"/>
+            <a:ext cx="1957862" cy="999649"/>
+          </a:xfrm>
+          <a:prstGeom prst="rect">
+            <a:avLst/>
+          </a:prstGeom>
+          <a:noFill/>
+          <a:ln>
+            <a:noFill/>
+          </a:ln>
+          <a:extLst>
+            <a:ext uri="{909E8E84-426E-40DD-AFC4-6F175D3DCCD1}">
+              <a14:hiddenFill xmlns:a14="http://schemas.microsoft.com/office/drawing/2010/main">
+                <a:solidFill>
+                  <a:srgbClr val="FFFFFF"/>
+                </a:solidFill>
+              </a14:hiddenFill>
+            </a:ext>
+            <a:ext uri="{91240B29-F687-4F45-9708-019B960494DF}">
+              <a14:hiddenLine xmlns:a14="http://schemas.microsoft.com/office/drawing/2010/main" w="9525">
+                <a:solidFill>
+                  <a:srgbClr val="000000"/>
+                </a:solidFill>
+                <a:miter lim="800000"/>
+                <a:headEnd/>
+                <a:tailEnd/>
+              </a14:hiddenLine>
+            </a:ext>
+          </a:extLst>
+        </p:spPr>
+      </p:pic>
     </p:spTree>
     <p:extLst>
       <p:ext uri="{BB962C8B-B14F-4D97-AF65-F5344CB8AC3E}">
@@ -13631,6 +14531,66 @@
           </a:p>
         </p:txBody>
       </p:sp>
+      <p:pic>
+        <p:nvPicPr>
+          <p:cNvPr id="4" name="Imagem 6" descr="LOGOMARCA EDUCANDUS.jpg">
+            <a:extLst>
+              <a:ext uri="{FF2B5EF4-FFF2-40B4-BE49-F238E27FC236}">
+                <a16:creationId xmlns:a16="http://schemas.microsoft.com/office/drawing/2014/main" id="{487DA3F1-1226-42CC-B675-0A1424DF5CEE}"/>
+              </a:ext>
+            </a:extLst>
+          </p:cNvPr>
+          <p:cNvPicPr>
+            <a:picLocks noChangeAspect="1" noChangeArrowheads="1"/>
+          </p:cNvPicPr>
+          <p:nvPr/>
+        </p:nvPicPr>
+        <p:blipFill>
+          <a:blip r:embed="rId2" cstate="print">
+            <a:extLst>
+              <a:ext uri="{28A0092B-C50C-407E-A947-70E740481C1C}">
+                <a14:useLocalDpi xmlns:a14="http://schemas.microsoft.com/office/drawing/2010/main" val="0"/>
+              </a:ext>
+            </a:extLst>
+          </a:blip>
+          <a:srcRect/>
+          <a:stretch>
+            <a:fillRect/>
+          </a:stretch>
+        </p:blipFill>
+        <p:spPr bwMode="auto">
+          <a:xfrm>
+            <a:off x="7022069" y="5660664"/>
+            <a:ext cx="1957862" cy="999649"/>
+          </a:xfrm>
+          <a:prstGeom prst="rect">
+            <a:avLst/>
+          </a:prstGeom>
+          <a:noFill/>
+          <a:ln>
+            <a:noFill/>
+          </a:ln>
+          <a:extLst>
+            <a:ext uri="{909E8E84-426E-40DD-AFC4-6F175D3DCCD1}">
+              <a14:hiddenFill xmlns:a14="http://schemas.microsoft.com/office/drawing/2010/main">
+                <a:solidFill>
+                  <a:srgbClr val="FFFFFF"/>
+                </a:solidFill>
+              </a14:hiddenFill>
+            </a:ext>
+            <a:ext uri="{91240B29-F687-4F45-9708-019B960494DF}">
+              <a14:hiddenLine xmlns:a14="http://schemas.microsoft.com/office/drawing/2010/main" w="9525">
+                <a:solidFill>
+                  <a:srgbClr val="000000"/>
+                </a:solidFill>
+                <a:miter lim="800000"/>
+                <a:headEnd/>
+                <a:tailEnd/>
+              </a14:hiddenLine>
+            </a:ext>
+          </a:extLst>
+        </p:spPr>
+      </p:pic>
     </p:spTree>
     <p:extLst>
       <p:ext uri="{BB962C8B-B14F-4D97-AF65-F5344CB8AC3E}">
@@ -15731,6 +16691,66 @@
           </a:p>
         </p:txBody>
       </p:sp>
+      <p:pic>
+        <p:nvPicPr>
+          <p:cNvPr id="38" name="Imagem 6" descr="LOGOMARCA EDUCANDUS.jpg">
+            <a:extLst>
+              <a:ext uri="{FF2B5EF4-FFF2-40B4-BE49-F238E27FC236}">
+                <a16:creationId xmlns:a16="http://schemas.microsoft.com/office/drawing/2014/main" id="{E311B178-CF1B-4572-A3AE-A604BF8AEB17}"/>
+              </a:ext>
+            </a:extLst>
+          </p:cNvPr>
+          <p:cNvPicPr>
+            <a:picLocks noChangeAspect="1" noChangeArrowheads="1"/>
+          </p:cNvPicPr>
+          <p:nvPr/>
+        </p:nvPicPr>
+        <p:blipFill>
+          <a:blip r:embed="rId3" cstate="print">
+            <a:extLst>
+              <a:ext uri="{28A0092B-C50C-407E-A947-70E740481C1C}">
+                <a14:useLocalDpi xmlns:a14="http://schemas.microsoft.com/office/drawing/2010/main" val="0"/>
+              </a:ext>
+            </a:extLst>
+          </a:blip>
+          <a:srcRect/>
+          <a:stretch>
+            <a:fillRect/>
+          </a:stretch>
+        </p:blipFill>
+        <p:spPr bwMode="auto">
+          <a:xfrm>
+            <a:off x="323528" y="5642514"/>
+            <a:ext cx="1957862" cy="999649"/>
+          </a:xfrm>
+          <a:prstGeom prst="rect">
+            <a:avLst/>
+          </a:prstGeom>
+          <a:noFill/>
+          <a:ln>
+            <a:noFill/>
+          </a:ln>
+          <a:extLst>
+            <a:ext uri="{909E8E84-426E-40DD-AFC4-6F175D3DCCD1}">
+              <a14:hiddenFill xmlns:a14="http://schemas.microsoft.com/office/drawing/2010/main">
+                <a:solidFill>
+                  <a:srgbClr val="FFFFFF"/>
+                </a:solidFill>
+              </a14:hiddenFill>
+            </a:ext>
+            <a:ext uri="{91240B29-F687-4F45-9708-019B960494DF}">
+              <a14:hiddenLine xmlns:a14="http://schemas.microsoft.com/office/drawing/2010/main" w="9525">
+                <a:solidFill>
+                  <a:srgbClr val="000000"/>
+                </a:solidFill>
+                <a:miter lim="800000"/>
+                <a:headEnd/>
+                <a:tailEnd/>
+              </a14:hiddenLine>
+            </a:ext>
+          </a:extLst>
+        </p:spPr>
+      </p:pic>
     </p:spTree>
     <p:extLst>
       <p:ext uri="{BB962C8B-B14F-4D97-AF65-F5344CB8AC3E}">
@@ -15844,6 +16864,66 @@
           </a:p>
         </p:txBody>
       </p:sp>
+      <p:pic>
+        <p:nvPicPr>
+          <p:cNvPr id="4" name="Imagem 6" descr="LOGOMARCA EDUCANDUS.jpg">
+            <a:extLst>
+              <a:ext uri="{FF2B5EF4-FFF2-40B4-BE49-F238E27FC236}">
+                <a16:creationId xmlns:a16="http://schemas.microsoft.com/office/drawing/2014/main" id="{CC5C4634-62E3-419E-8997-78B2D7C398FF}"/>
+              </a:ext>
+            </a:extLst>
+          </p:cNvPr>
+          <p:cNvPicPr>
+            <a:picLocks noChangeAspect="1" noChangeArrowheads="1"/>
+          </p:cNvPicPr>
+          <p:nvPr/>
+        </p:nvPicPr>
+        <p:blipFill>
+          <a:blip r:embed="rId2" cstate="print">
+            <a:extLst>
+              <a:ext uri="{28A0092B-C50C-407E-A947-70E740481C1C}">
+                <a14:useLocalDpi xmlns:a14="http://schemas.microsoft.com/office/drawing/2010/main" val="0"/>
+              </a:ext>
+            </a:extLst>
+          </a:blip>
+          <a:srcRect/>
+          <a:stretch>
+            <a:fillRect/>
+          </a:stretch>
+        </p:blipFill>
+        <p:spPr bwMode="auto">
+          <a:xfrm>
+            <a:off x="7022069" y="5660664"/>
+            <a:ext cx="1957862" cy="999649"/>
+          </a:xfrm>
+          <a:prstGeom prst="rect">
+            <a:avLst/>
+          </a:prstGeom>
+          <a:noFill/>
+          <a:ln>
+            <a:noFill/>
+          </a:ln>
+          <a:extLst>
+            <a:ext uri="{909E8E84-426E-40DD-AFC4-6F175D3DCCD1}">
+              <a14:hiddenFill xmlns:a14="http://schemas.microsoft.com/office/drawing/2010/main">
+                <a:solidFill>
+                  <a:srgbClr val="FFFFFF"/>
+                </a:solidFill>
+              </a14:hiddenFill>
+            </a:ext>
+            <a:ext uri="{91240B29-F687-4F45-9708-019B960494DF}">
+              <a14:hiddenLine xmlns:a14="http://schemas.microsoft.com/office/drawing/2010/main" w="9525">
+                <a:solidFill>
+                  <a:srgbClr val="000000"/>
+                </a:solidFill>
+                <a:miter lim="800000"/>
+                <a:headEnd/>
+                <a:tailEnd/>
+              </a14:hiddenLine>
+            </a:ext>
+          </a:extLst>
+        </p:spPr>
+      </p:pic>
     </p:spTree>
     <p:extLst>
       <p:ext uri="{BB962C8B-B14F-4D97-AF65-F5344CB8AC3E}">
@@ -17582,6 +18662,66 @@
           </a:p>
         </p:txBody>
       </p:sp>
+      <p:pic>
+        <p:nvPicPr>
+          <p:cNvPr id="4" name="Imagem 6" descr="LOGOMARCA EDUCANDUS.jpg">
+            <a:extLst>
+              <a:ext uri="{FF2B5EF4-FFF2-40B4-BE49-F238E27FC236}">
+                <a16:creationId xmlns:a16="http://schemas.microsoft.com/office/drawing/2014/main" id="{0FE8A17A-9507-49DB-8AE2-E39357EAAD41}"/>
+              </a:ext>
+            </a:extLst>
+          </p:cNvPr>
+          <p:cNvPicPr>
+            <a:picLocks noChangeAspect="1" noChangeArrowheads="1"/>
+          </p:cNvPicPr>
+          <p:nvPr/>
+        </p:nvPicPr>
+        <p:blipFill>
+          <a:blip r:embed="rId3" cstate="print">
+            <a:extLst>
+              <a:ext uri="{28A0092B-C50C-407E-A947-70E740481C1C}">
+                <a14:useLocalDpi xmlns:a14="http://schemas.microsoft.com/office/drawing/2010/main" val="0"/>
+              </a:ext>
+            </a:extLst>
+          </a:blip>
+          <a:srcRect/>
+          <a:stretch>
+            <a:fillRect/>
+          </a:stretch>
+        </p:blipFill>
+        <p:spPr bwMode="auto">
+          <a:xfrm>
+            <a:off x="7022069" y="5660664"/>
+            <a:ext cx="1957862" cy="999649"/>
+          </a:xfrm>
+          <a:prstGeom prst="rect">
+            <a:avLst/>
+          </a:prstGeom>
+          <a:noFill/>
+          <a:ln>
+            <a:noFill/>
+          </a:ln>
+          <a:extLst>
+            <a:ext uri="{909E8E84-426E-40DD-AFC4-6F175D3DCCD1}">
+              <a14:hiddenFill xmlns:a14="http://schemas.microsoft.com/office/drawing/2010/main">
+                <a:solidFill>
+                  <a:srgbClr val="FFFFFF"/>
+                </a:solidFill>
+              </a14:hiddenFill>
+            </a:ext>
+            <a:ext uri="{91240B29-F687-4F45-9708-019B960494DF}">
+              <a14:hiddenLine xmlns:a14="http://schemas.microsoft.com/office/drawing/2010/main" w="9525">
+                <a:solidFill>
+                  <a:srgbClr val="000000"/>
+                </a:solidFill>
+                <a:miter lim="800000"/>
+                <a:headEnd/>
+                <a:tailEnd/>
+              </a14:hiddenLine>
+            </a:ext>
+          </a:extLst>
+        </p:spPr>
+      </p:pic>
     </p:spTree>
     <p:extLst>
       <p:ext uri="{BB962C8B-B14F-4D97-AF65-F5344CB8AC3E}">
